--- a/MyGame/如何开发快速一个小游戏.pptx
+++ b/MyGame/如何开发快速一个小游戏.pptx
@@ -6,6 +6,11 @@
   </p:sldMasterIdLst>
   <p:sldIdLst>
     <p:sldId id="256" r:id="rId3"/>
+    <p:sldId id="257" r:id="rId4"/>
+    <p:sldId id="258" r:id="rId5"/>
+    <p:sldId id="259" r:id="rId6"/>
+    <p:sldId id="260" r:id="rId7"/>
+    <p:sldId id="261" r:id="rId8"/>
   </p:sldIdLst>
   <p:sldSz cx="12192000" cy="6858000"/>
   <p:notesSz cx="7103745" cy="10234295"/>
@@ -2636,27 +2641,262 @@
           <a:p>
             <a:r>
               <a:rPr lang="zh-CN" altLang="en-US"/>
-              <a:t>如何开发快速一个小游戏</a:t>
-            </a:r>
-            <a:endParaRPr lang="zh-CN" altLang="en-US"/>
-          </a:p>
-        </p:txBody>
-      </p:sp>
-      <p:sp>
-        <p:nvSpPr>
-          <p:cNvPr id="3" name="副标题 2"/>
-          <p:cNvSpPr>
-            <a:spLocks noGrp="1"/>
-          </p:cNvSpPr>
-          <p:nvPr>
-            <p:ph type="subTitle" idx="1"/>
-          </p:nvPr>
-        </p:nvSpPr>
-        <p:spPr/>
-        <p:txBody>
-          <a:bodyPr/>
-          <a:p>
-            <a:endParaRPr lang="zh-CN" altLang="en-US"/>
+              <a:t>如何</a:t>
+            </a:r>
+            <a:r>
+              <a:rPr lang="zh-CN" altLang="en-US">
+                <a:sym typeface="+mn-ea"/>
+              </a:rPr>
+              <a:t>快速</a:t>
+            </a:r>
+            <a:r>
+              <a:rPr lang="zh-CN" altLang="en-US"/>
+              <a:t>开发一个</a:t>
+            </a:r>
+            <a:r>
+              <a:rPr lang="en-US" altLang="zh-CN"/>
+              <a:t>iOS</a:t>
+            </a:r>
+            <a:r>
+              <a:rPr lang="zh-CN" altLang="en-US"/>
+              <a:t>游戏</a:t>
+            </a:r>
+            <a:endParaRPr lang="zh-CN" altLang="en-US"/>
+          </a:p>
+        </p:txBody>
+      </p:sp>
+    </p:spTree>
+    <p:custDataLst>
+      <p:tags r:id="rId1"/>
+    </p:custDataLst>
+  </p:cSld>
+  <p:clrMapOvr>
+    <a:masterClrMapping/>
+  </p:clrMapOvr>
+  <p:transition>
+    <p:fade/>
+  </p:transition>
+  <p:timing>
+    <p:tnLst>
+      <p:par>
+        <p:cTn id="1" dur="indefinite" restart="never" nodeType="tmRoot">
+          <p:childTnLst>
+            <p:seq concurrent="1" nextAc="seek">
+              <p:cTn id="2" dur="indefinite" nodeType="mainSeq">
+                <p:childTnLst>
+                  <p:par>
+                    <p:cTn id="3" fill="hold">
+                      <p:stCondLst>
+                        <p:cond delay="indefinite"/>
+                      </p:stCondLst>
+                      <p:childTnLst>
+                        <p:par>
+                          <p:cTn id="4" fill="hold">
+                            <p:stCondLst>
+                              <p:cond delay="0"/>
+                            </p:stCondLst>
+                            <p:childTnLst>
+                              <p:par>
+                                <p:cTn id="5" presetID="2" presetClass="entr" presetSubtype="4" fill="hold" grpId="7" nodeType="clickEffect">
+                                  <p:stCondLst>
+                                    <p:cond delay="0"/>
+                                  </p:stCondLst>
+                                  <p:childTnLst>
+                                    <p:set>
+                                      <p:cBhvr>
+                                        <p:cTn id="6" dur="1" fill="hold">
+                                          <p:stCondLst>
+                                            <p:cond delay="0"/>
+                                          </p:stCondLst>
+                                        </p:cTn>
+                                        <p:tgtEl>
+                                          <p:spTgt spid="2"/>
+                                        </p:tgtEl>
+                                        <p:attrNameLst>
+                                          <p:attrName>style.visibility</p:attrName>
+                                        </p:attrNameLst>
+                                      </p:cBhvr>
+                                      <p:to>
+                                        <p:strVal val="visible"/>
+                                      </p:to>
+                                    </p:set>
+                                    <p:anim calcmode="lin" valueType="num">
+                                      <p:cBhvr additive="base">
+                                        <p:cTn id="7" dur="1000" fill="hold"/>
+                                        <p:tgtEl>
+                                          <p:spTgt spid="2"/>
+                                        </p:tgtEl>
+                                        <p:attrNameLst>
+                                          <p:attrName>ppt_x</p:attrName>
+                                        </p:attrNameLst>
+                                      </p:cBhvr>
+                                      <p:tavLst>
+                                        <p:tav tm="0">
+                                          <p:val>
+                                            <p:strVal val="#ppt_x"/>
+                                          </p:val>
+                                        </p:tav>
+                                        <p:tav tm="100000">
+                                          <p:val>
+                                            <p:strVal val="#ppt_x"/>
+                                          </p:val>
+                                        </p:tav>
+                                      </p:tavLst>
+                                    </p:anim>
+                                    <p:anim calcmode="lin" valueType="num">
+                                      <p:cBhvr additive="base">
+                                        <p:cTn id="8" dur="1000" fill="hold"/>
+                                        <p:tgtEl>
+                                          <p:spTgt spid="2"/>
+                                        </p:tgtEl>
+                                        <p:attrNameLst>
+                                          <p:attrName>ppt_y</p:attrName>
+                                        </p:attrNameLst>
+                                      </p:cBhvr>
+                                      <p:tavLst>
+                                        <p:tav tm="0">
+                                          <p:val>
+                                            <p:strVal val="1+#ppt_h/2"/>
+                                          </p:val>
+                                        </p:tav>
+                                        <p:tav tm="100000">
+                                          <p:val>
+                                            <p:strVal val="#ppt_y"/>
+                                          </p:val>
+                                        </p:tav>
+                                      </p:tavLst>
+                                    </p:anim>
+                                  </p:childTnLst>
+                                </p:cTn>
+                              </p:par>
+                            </p:childTnLst>
+                          </p:cTn>
+                        </p:par>
+                      </p:childTnLst>
+                    </p:cTn>
+                  </p:par>
+                </p:childTnLst>
+              </p:cTn>
+              <p:prevCondLst>
+                <p:cond evt="onPrev" delay="0">
+                  <p:tgtEl>
+                    <p:sldTgt/>
+                  </p:tgtEl>
+                </p:cond>
+              </p:prevCondLst>
+              <p:nextCondLst>
+                <p:cond evt="onNext" delay="0">
+                  <p:tgtEl>
+                    <p:sldTgt/>
+                  </p:tgtEl>
+                </p:cond>
+              </p:nextCondLst>
+            </p:seq>
+          </p:childTnLst>
+        </p:cTn>
+      </p:par>
+    </p:tnLst>
+    <p:bldLst>
+      <p:bldP spid="2" grpId="0"/>
+      <p:bldP spid="2" grpId="1"/>
+      <p:bldP spid="2" grpId="2"/>
+      <p:bldP spid="2" grpId="3"/>
+      <p:bldP spid="2" grpId="4"/>
+      <p:bldP spid="2" grpId="5"/>
+      <p:bldP spid="2" grpId="6"/>
+      <p:bldP spid="2" grpId="7"/>
+    </p:bldLst>
+  </p:timing>
+</p:sld>
+</file>
+
+<file path=ppt/slides/slide2.xml><?xml version="1.0" encoding="utf-8"?>
+<p:sld xmlns:a="http://schemas.openxmlformats.org/drawingml/2006/main" xmlns:r="http://schemas.openxmlformats.org/officeDocument/2006/relationships" xmlns:p="http://schemas.openxmlformats.org/presentationml/2006/main">
+  <p:cSld>
+    <p:spTree>
+      <p:nvGrpSpPr>
+        <p:cNvPr id="1" name=""/>
+        <p:cNvGrpSpPr/>
+        <p:nvPr/>
+      </p:nvGrpSpPr>
+      <p:grpSpPr/>
+      <p:sp>
+        <p:nvSpPr>
+          <p:cNvPr id="2" name="标题 1"/>
+          <p:cNvSpPr>
+            <a:spLocks noGrp="1"/>
+          </p:cNvSpPr>
+          <p:nvPr>
+            <p:ph type="title"/>
+          </p:nvPr>
+        </p:nvSpPr>
+        <p:spPr>
+          <a:xfrm>
+            <a:off x="838200" y="365125"/>
+            <a:ext cx="10515600" cy="5594350"/>
+          </a:xfrm>
+        </p:spPr>
+        <p:txBody>
+          <a:bodyPr>
+            <a:normAutofit/>
+          </a:bodyPr>
+          <a:p>
+            <a:pPr algn="l"/>
+            <a:r>
+              <a:rPr lang="en-US" altLang="zh-CN"/>
+              <a:t>1</a:t>
+            </a:r>
+            <a:r>
+              <a:rPr lang="zh-CN" altLang="en-US"/>
+              <a:t>、</a:t>
+            </a:r>
+            <a:r>
+              <a:rPr lang="en-US" altLang="zh-CN"/>
+              <a:t>Cocos2d-x (c++</a:t>
+            </a:r>
+            <a:r>
+              <a:rPr lang="zh-CN" altLang="en-US"/>
+              <a:t>、</a:t>
+            </a:r>
+            <a:r>
+              <a:rPr lang="en-US" altLang="zh-CN"/>
+              <a:t>js</a:t>
+            </a:r>
+            <a:r>
+              <a:rPr lang="zh-CN" altLang="en-US"/>
+              <a:t>、</a:t>
+            </a:r>
+            <a:r>
+              <a:rPr lang="en-US" altLang="zh-CN"/>
+              <a:t>lua)</a:t>
+            </a:r>
+            <a:br>
+              <a:rPr lang="zh-CN" altLang="en-US"/>
+            </a:br>
+            <a:br>
+              <a:rPr lang="zh-CN" altLang="en-US"/>
+            </a:br>
+            <a:r>
+              <a:rPr lang="en-US" altLang="zh-CN"/>
+              <a:t>2</a:t>
+            </a:r>
+            <a:r>
+              <a:rPr lang="zh-CN" altLang="en-US"/>
+              <a:t>、</a:t>
+            </a:r>
+            <a:r>
+              <a:rPr lang="en-US" altLang="zh-CN"/>
+              <a:t>iOS-SpriteKit (oc</a:t>
+            </a:r>
+            <a:r>
+              <a:rPr lang="zh-CN" altLang="en-US"/>
+              <a:t>、</a:t>
+            </a:r>
+            <a:r>
+              <a:rPr lang="en-US" altLang="zh-CN"/>
+              <a:t>swift)</a:t>
+            </a:r>
+            <a:endParaRPr lang="en-US" altLang="zh-CN"/>
           </a:p>
         </p:txBody>
       </p:sp>
@@ -2665,7 +2905,2116 @@
   <p:clrMapOvr>
     <a:masterClrMapping/>
   </p:clrMapOvr>
+  <p:transition>
+    <p:fade/>
+  </p:transition>
+  <p:timing>
+    <p:tnLst>
+      <p:par>
+        <p:cTn id="1" dur="indefinite" restart="never" nodeType="tmRoot">
+          <p:childTnLst>
+            <p:seq concurrent="1" nextAc="seek">
+              <p:cTn id="2" dur="indefinite" nodeType="mainSeq">
+                <p:childTnLst>
+                  <p:par>
+                    <p:cTn id="3" fill="hold">
+                      <p:stCondLst>
+                        <p:cond delay="indefinite"/>
+                      </p:stCondLst>
+                      <p:childTnLst>
+                        <p:par>
+                          <p:cTn id="4" fill="hold">
+                            <p:stCondLst>
+                              <p:cond delay="0"/>
+                            </p:stCondLst>
+                            <p:childTnLst>
+                              <p:par>
+                                <p:cTn id="5" presetID="3" presetClass="entr" presetSubtype="5" fill="hold" grpId="0" nodeType="clickEffect">
+                                  <p:stCondLst>
+                                    <p:cond delay="0"/>
+                                  </p:stCondLst>
+                                  <p:childTnLst>
+                                    <p:set>
+                                      <p:cBhvr>
+                                        <p:cTn id="6" dur="1" fill="hold">
+                                          <p:stCondLst>
+                                            <p:cond delay="0"/>
+                                          </p:stCondLst>
+                                        </p:cTn>
+                                        <p:tgtEl>
+                                          <p:spTgt spid="2"/>
+                                        </p:tgtEl>
+                                        <p:attrNameLst>
+                                          <p:attrName>style.visibility</p:attrName>
+                                        </p:attrNameLst>
+                                      </p:cBhvr>
+                                      <p:to>
+                                        <p:strVal val="visible"/>
+                                      </p:to>
+                                    </p:set>
+                                    <p:animEffect transition="in" filter="blinds(vertical)">
+                                      <p:cBhvr>
+                                        <p:cTn id="7" dur="1000"/>
+                                        <p:tgtEl>
+                                          <p:spTgt spid="2"/>
+                                        </p:tgtEl>
+                                      </p:cBhvr>
+                                    </p:animEffect>
+                                  </p:childTnLst>
+                                </p:cTn>
+                              </p:par>
+                            </p:childTnLst>
+                          </p:cTn>
+                        </p:par>
+                      </p:childTnLst>
+                    </p:cTn>
+                  </p:par>
+                </p:childTnLst>
+              </p:cTn>
+              <p:prevCondLst>
+                <p:cond evt="onPrev" delay="0">
+                  <p:tgtEl>
+                    <p:sldTgt/>
+                  </p:tgtEl>
+                </p:cond>
+              </p:prevCondLst>
+              <p:nextCondLst>
+                <p:cond evt="onNext" delay="0">
+                  <p:tgtEl>
+                    <p:sldTgt/>
+                  </p:tgtEl>
+                </p:cond>
+              </p:nextCondLst>
+            </p:seq>
+          </p:childTnLst>
+        </p:cTn>
+      </p:par>
+    </p:tnLst>
+    <p:bldLst>
+      <p:bldP spid="2" grpId="0"/>
+    </p:bldLst>
+  </p:timing>
 </p:sld>
+</file>
+
+<file path=ppt/slides/slide3.xml><?xml version="1.0" encoding="utf-8"?>
+<p:sld xmlns:a="http://schemas.openxmlformats.org/drawingml/2006/main" xmlns:r="http://schemas.openxmlformats.org/officeDocument/2006/relationships" xmlns:p="http://schemas.openxmlformats.org/presentationml/2006/main">
+  <p:cSld>
+    <p:spTree>
+      <p:nvGrpSpPr>
+        <p:cNvPr id="1" name=""/>
+        <p:cNvGrpSpPr/>
+        <p:nvPr/>
+      </p:nvGrpSpPr>
+      <p:grpSpPr/>
+      <p:sp>
+        <p:nvSpPr>
+          <p:cNvPr id="2" name="标题 1"/>
+          <p:cNvSpPr>
+            <a:spLocks noGrp="1"/>
+          </p:cNvSpPr>
+          <p:nvPr>
+            <p:ph type="title"/>
+          </p:nvPr>
+        </p:nvSpPr>
+        <p:spPr/>
+        <p:txBody>
+          <a:bodyPr/>
+          <a:p>
+            <a:r>
+              <a:rPr lang="en-US" altLang="zh-CN" sz="3600">
+                <a:sym typeface="+mn-ea"/>
+              </a:rPr>
+              <a:t>Cocos2d-x </a:t>
+            </a:r>
+            <a:r>
+              <a:rPr lang="zh-CN" altLang="en-US" sz="3600">
+                <a:sym typeface="+mn-ea"/>
+              </a:rPr>
+              <a:t>简单介绍</a:t>
+            </a:r>
+            <a:endParaRPr lang="zh-CN" altLang="en-US" sz="3600">
+              <a:sym typeface="+mn-ea"/>
+            </a:endParaRPr>
+          </a:p>
+        </p:txBody>
+      </p:sp>
+      <p:sp>
+        <p:nvSpPr>
+          <p:cNvPr id="3" name="内容占位符 2"/>
+          <p:cNvSpPr>
+            <a:spLocks noGrp="1"/>
+          </p:cNvSpPr>
+          <p:nvPr>
+            <p:ph idx="1"/>
+          </p:nvPr>
+        </p:nvSpPr>
+        <p:spPr>
+          <a:xfrm>
+            <a:off x="838200" y="1825625"/>
+            <a:ext cx="10515600" cy="4808220"/>
+          </a:xfrm>
+        </p:spPr>
+        <p:txBody>
+          <a:bodyPr>
+            <a:noAutofit/>
+          </a:bodyPr>
+          <a:p>
+            <a:r>
+              <a:rPr lang="zh-CN" altLang="en-US" sz="2400"/>
+              <a:t>cocos刚开始的初衷就不是给企业用来开发大型游戏的，一个开源引擎后边又没有大牛支着，可以说它作为一个广大游戏爱好者用来研究娱乐的作用远大于其商业价值。而14年开始大批的创业公司都想在移动游戏开发中“套一笔”，导致游戏产业膨胀，2D游戏开发成本低，周期短，再加上cocos2d当时口碑不错有着很多的成功先例，而且还开源，成为许多创业公司的首选。当时就感觉cocos的人才一时间特别稀缺，以致让人错以为cocos天下第一。殊不知游戏的发展实在太快，好多类型的游戏可能很快就会落伍。我记得4年前大家还都在津津有味的玩着愤怒的小鸟，现在却都开始用手机玩起无双割草（崩坏3）。cocos作为开源引擎，它的发展速度上限很有限，显然跟不上这么快的节奏。当然这一切也都专指企业及开发，如果是快速的开发一款轻型2D游戏或者个人独立游戏，那么这款开源引擎不但能够胜任而且更加灵活，值得研究</a:t>
+            </a:r>
+            <a:br>
+              <a:rPr lang="zh-CN" altLang="en-US" sz="2400"/>
+            </a:br>
+            <a:r>
+              <a:rPr lang="zh-CN" altLang="en-US" sz="2400"/>
+              <a:t>成功案例：</a:t>
+            </a:r>
+            <a:r>
+              <a:rPr lang="zh-CN" altLang="en-US" sz="2400">
+                <a:sym typeface="+mn-ea"/>
+              </a:rPr>
+              <a:t>保卫萝卜  开心消消乐  我叫MT 梦幻西游 大话西游 刀塔传奇等等</a:t>
+            </a:r>
+            <a:endParaRPr lang="zh-CN" altLang="en-US" sz="2400"/>
+          </a:p>
+          <a:p>
+            <a:endParaRPr lang="zh-CN" altLang="en-US" sz="2400"/>
+          </a:p>
+          <a:p>
+            <a:endParaRPr lang="zh-CN" altLang="en-US" sz="2400"/>
+          </a:p>
+        </p:txBody>
+      </p:sp>
+    </p:spTree>
+  </p:cSld>
+  <p:clrMapOvr>
+    <a:masterClrMapping/>
+  </p:clrMapOvr>
+  <p:transition>
+    <p:fade/>
+  </p:transition>
+  <p:timing>
+    <p:tnLst>
+      <p:par>
+        <p:cTn id="1" dur="indefinite" restart="never" nodeType="tmRoot">
+          <p:childTnLst>
+            <p:seq concurrent="1" nextAc="seek">
+              <p:cTn id="2" dur="indefinite" nodeType="mainSeq">
+                <p:childTnLst>
+                  <p:par>
+                    <p:cTn id="3" fill="hold">
+                      <p:stCondLst>
+                        <p:cond delay="indefinite"/>
+                      </p:stCondLst>
+                      <p:childTnLst>
+                        <p:par>
+                          <p:cTn id="4" fill="hold">
+                            <p:stCondLst>
+                              <p:cond delay="0"/>
+                            </p:stCondLst>
+                            <p:childTnLst>
+                              <p:par>
+                                <p:cTn id="5" presetID="4" presetClass="entr" presetSubtype="16" fill="hold" grpId="0" nodeType="clickEffect">
+                                  <p:stCondLst>
+                                    <p:cond delay="0"/>
+                                  </p:stCondLst>
+                                  <p:childTnLst>
+                                    <p:set>
+                                      <p:cBhvr>
+                                        <p:cTn id="6" dur="1" fill="hold">
+                                          <p:stCondLst>
+                                            <p:cond delay="0"/>
+                                          </p:stCondLst>
+                                        </p:cTn>
+                                        <p:tgtEl>
+                                          <p:spTgt spid="2"/>
+                                        </p:tgtEl>
+                                        <p:attrNameLst>
+                                          <p:attrName>style.visibility</p:attrName>
+                                        </p:attrNameLst>
+                                      </p:cBhvr>
+                                      <p:to>
+                                        <p:strVal val="visible"/>
+                                      </p:to>
+                                    </p:set>
+                                    <p:animEffect transition="in" filter="box(in)">
+                                      <p:cBhvr>
+                                        <p:cTn id="7" dur="1000"/>
+                                        <p:tgtEl>
+                                          <p:spTgt spid="2"/>
+                                        </p:tgtEl>
+                                      </p:cBhvr>
+                                    </p:animEffect>
+                                  </p:childTnLst>
+                                </p:cTn>
+                              </p:par>
+                            </p:childTnLst>
+                          </p:cTn>
+                        </p:par>
+                      </p:childTnLst>
+                    </p:cTn>
+                  </p:par>
+                  <p:par>
+                    <p:cTn id="8" fill="hold">
+                      <p:stCondLst>
+                        <p:cond delay="indefinite"/>
+                      </p:stCondLst>
+                      <p:childTnLst>
+                        <p:par>
+                          <p:cTn id="9" fill="hold">
+                            <p:stCondLst>
+                              <p:cond delay="0"/>
+                            </p:stCondLst>
+                            <p:childTnLst>
+                              <p:par>
+                                <p:cTn id="10" presetID="20" presetClass="entr" presetSubtype="0" fill="hold" grpId="17" nodeType="clickEffect">
+                                  <p:stCondLst>
+                                    <p:cond delay="0"/>
+                                  </p:stCondLst>
+                                  <p:childTnLst>
+                                    <p:set>
+                                      <p:cBhvr>
+                                        <p:cTn id="11" dur="1" fill="hold">
+                                          <p:stCondLst>
+                                            <p:cond delay="0"/>
+                                          </p:stCondLst>
+                                        </p:cTn>
+                                        <p:tgtEl>
+                                          <p:spTgt spid="3">
+                                            <p:txEl>
+                                              <p:pRg st="0" end="0"/>
+                                            </p:txEl>
+                                          </p:spTgt>
+                                        </p:tgtEl>
+                                        <p:attrNameLst>
+                                          <p:attrName>style.visibility</p:attrName>
+                                        </p:attrNameLst>
+                                      </p:cBhvr>
+                                      <p:to>
+                                        <p:strVal val="visible"/>
+                                      </p:to>
+                                    </p:set>
+                                    <p:animEffect transition="in" filter="wedge">
+                                      <p:cBhvr>
+                                        <p:cTn id="12" dur="1000"/>
+                                        <p:tgtEl>
+                                          <p:spTgt spid="3">
+                                            <p:txEl>
+                                              <p:pRg st="0" end="0"/>
+                                            </p:txEl>
+                                          </p:spTgt>
+                                        </p:tgtEl>
+                                      </p:cBhvr>
+                                    </p:animEffect>
+                                  </p:childTnLst>
+                                </p:cTn>
+                              </p:par>
+                            </p:childTnLst>
+                          </p:cTn>
+                        </p:par>
+                      </p:childTnLst>
+                    </p:cTn>
+                  </p:par>
+                </p:childTnLst>
+              </p:cTn>
+              <p:prevCondLst>
+                <p:cond evt="onPrev" delay="0">
+                  <p:tgtEl>
+                    <p:sldTgt/>
+                  </p:tgtEl>
+                </p:cond>
+              </p:prevCondLst>
+              <p:nextCondLst>
+                <p:cond evt="onNext" delay="0">
+                  <p:tgtEl>
+                    <p:sldTgt/>
+                  </p:tgtEl>
+                </p:cond>
+              </p:nextCondLst>
+            </p:seq>
+          </p:childTnLst>
+        </p:cTn>
+      </p:par>
+    </p:tnLst>
+    <p:bldLst>
+      <p:bldP spid="3" grpId="0" build="p"/>
+      <p:bldP spid="3" grpId="1" build="p"/>
+      <p:bldP spid="3" grpId="2" build="p"/>
+      <p:bldP spid="3" grpId="3" build="p"/>
+      <p:bldP spid="3" grpId="4" build="p"/>
+      <p:bldP spid="3" grpId="5" build="p"/>
+      <p:bldP spid="3" grpId="6" build="p"/>
+      <p:bldP spid="3" grpId="7" build="p"/>
+      <p:bldP spid="3" grpId="8" build="p"/>
+      <p:bldP spid="3" grpId="9" build="p"/>
+      <p:bldP spid="3" grpId="10" build="p"/>
+      <p:bldP spid="3" grpId="11" build="p"/>
+      <p:bldP spid="3" grpId="12" build="p"/>
+      <p:bldP spid="3" grpId="13" build="p"/>
+      <p:bldP spid="3" grpId="14" build="p"/>
+      <p:bldP spid="3" grpId="15" build="p"/>
+      <p:bldP spid="3" grpId="16" build="p"/>
+      <p:bldP spid="3" grpId="17" build="p"/>
+      <p:bldP spid="2" grpId="0"/>
+    </p:bldLst>
+  </p:timing>
+</p:sld>
+</file>
+
+<file path=ppt/slides/slide4.xml><?xml version="1.0" encoding="utf-8"?>
+<p:sld xmlns:a="http://schemas.openxmlformats.org/drawingml/2006/main" xmlns:r="http://schemas.openxmlformats.org/officeDocument/2006/relationships" xmlns:p="http://schemas.openxmlformats.org/presentationml/2006/main">
+  <p:cSld>
+    <p:spTree>
+      <p:nvGrpSpPr>
+        <p:cNvPr id="1" name=""/>
+        <p:cNvGrpSpPr/>
+        <p:nvPr/>
+      </p:nvGrpSpPr>
+      <p:grpSpPr/>
+      <p:sp>
+        <p:nvSpPr>
+          <p:cNvPr id="2" name="标题 1"/>
+          <p:cNvSpPr>
+            <a:spLocks noGrp="1"/>
+          </p:cNvSpPr>
+          <p:nvPr>
+            <p:ph type="title"/>
+          </p:nvPr>
+        </p:nvSpPr>
+        <p:spPr/>
+        <p:txBody>
+          <a:bodyPr/>
+          <a:p>
+            <a:r>
+              <a:rPr lang="en-US" altLang="zh-CN">
+                <a:sym typeface="+mn-ea"/>
+              </a:rPr>
+              <a:t>Cocos2d-x  Android&amp;iOS开发环境搭建</a:t>
+            </a:r>
+            <a:endParaRPr lang="en-US" altLang="zh-CN">
+              <a:sym typeface="+mn-ea"/>
+            </a:endParaRPr>
+          </a:p>
+        </p:txBody>
+      </p:sp>
+      <p:sp>
+        <p:nvSpPr>
+          <p:cNvPr id="3" name="内容占位符 2"/>
+          <p:cNvSpPr>
+            <a:spLocks noGrp="1"/>
+          </p:cNvSpPr>
+          <p:nvPr>
+            <p:ph idx="1"/>
+          </p:nvPr>
+        </p:nvSpPr>
+        <p:spPr>
+          <a:xfrm>
+            <a:off x="838200" y="1691005"/>
+            <a:ext cx="10515600" cy="4993005"/>
+          </a:xfrm>
+        </p:spPr>
+        <p:txBody>
+          <a:bodyPr>
+            <a:normAutofit lnSpcReduction="10000"/>
+          </a:bodyPr>
+          <a:p>
+            <a:pPr marL="0" indent="0" algn="l">
+              <a:buNone/>
+            </a:pPr>
+            <a:r>
+              <a:rPr lang="zh-CN" altLang="en-US"/>
+              <a:t>1、下载cocos2d-x 3.7正式版  http://www.cocos2d-x.org/download</a:t>
+            </a:r>
+            <a:endParaRPr lang="zh-CN" altLang="en-US"/>
+          </a:p>
+          <a:p>
+            <a:pPr marL="0" indent="0" algn="l">
+              <a:buNone/>
+            </a:pPr>
+            <a:r>
+              <a:rPr lang="en-US" altLang="zh-CN"/>
+              <a:t>2</a:t>
+            </a:r>
+            <a:r>
+              <a:rPr lang="zh-CN" altLang="en-US"/>
+              <a:t>、下载android的sdk以及ndk http://developer.android.com/sdk/index.html</a:t>
+            </a:r>
+            <a:endParaRPr lang="zh-CN" altLang="en-US"/>
+          </a:p>
+          <a:p>
+            <a:pPr marL="0" indent="0" algn="l">
+              <a:buNone/>
+            </a:pPr>
+            <a:r>
+              <a:rPr lang="zh-CN" altLang="en-US"/>
+              <a:t>3、下载ant   http://ant.apache.org</a:t>
+            </a:r>
+            <a:endParaRPr lang="zh-CN" altLang="en-US"/>
+          </a:p>
+          <a:p>
+            <a:pPr marL="0" indent="0" algn="l">
+              <a:buNone/>
+            </a:pPr>
+            <a:r>
+              <a:rPr lang="en-US" altLang="zh-CN"/>
+              <a:t>4</a:t>
+            </a:r>
+            <a:r>
+              <a:rPr lang="zh-CN" altLang="en-US"/>
+              <a:t>、下载JDK 配置mac os java开发环境 https://www.oracle.com/technetwork/java/javase/downloads/jdk12-downloads-5295953.html、</a:t>
+            </a:r>
+            <a:endParaRPr lang="zh-CN" altLang="en-US"/>
+          </a:p>
+          <a:p>
+            <a:pPr marL="0" indent="0" algn="l">
+              <a:buNone/>
+            </a:pPr>
+            <a:r>
+              <a:rPr lang="en-US" altLang="zh-CN"/>
+              <a:t>5</a:t>
+            </a:r>
+            <a:r>
+              <a:rPr lang="zh-CN" altLang="en-US"/>
+              <a:t>、运行cocos3.7目录下的setup.py</a:t>
+            </a:r>
+            <a:endParaRPr lang="zh-CN" altLang="en-US"/>
+          </a:p>
+          <a:p>
+            <a:pPr marL="0" indent="0" algn="l">
+              <a:buNone/>
+            </a:pPr>
+            <a:r>
+              <a:rPr lang="en-US" altLang="zh-CN"/>
+              <a:t>6</a:t>
+            </a:r>
+            <a:r>
+              <a:rPr lang="zh-CN" altLang="en-US"/>
+              <a:t>、创建cocos项目 cocos new -p com.devin.game -l cpp -d /Users/youruser/Documents/workspace/game/test</a:t>
+            </a:r>
+            <a:endParaRPr lang="zh-CN" altLang="en-US"/>
+          </a:p>
+        </p:txBody>
+      </p:sp>
+    </p:spTree>
+  </p:cSld>
+  <p:clrMapOvr>
+    <a:masterClrMapping/>
+  </p:clrMapOvr>
+  <p:timing>
+    <p:tnLst>
+      <p:par>
+        <p:cTn id="1" dur="indefinite" restart="never" nodeType="tmRoot">
+          <p:childTnLst>
+            <p:seq concurrent="1" nextAc="seek">
+              <p:cTn id="2" dur="indefinite" nodeType="mainSeq">
+                <p:childTnLst>
+                  <p:par>
+                    <p:cTn id="3" fill="hold">
+                      <p:stCondLst>
+                        <p:cond delay="indefinite"/>
+                      </p:stCondLst>
+                      <p:childTnLst>
+                        <p:par>
+                          <p:cTn id="4" fill="hold">
+                            <p:stCondLst>
+                              <p:cond delay="0"/>
+                            </p:stCondLst>
+                            <p:childTnLst>
+                              <p:par>
+                                <p:cTn id="5" presetID="4" presetClass="entr" presetSubtype="16" fill="hold" grpId="0" nodeType="clickEffect">
+                                  <p:stCondLst>
+                                    <p:cond delay="0"/>
+                                  </p:stCondLst>
+                                  <p:childTnLst>
+                                    <p:set>
+                                      <p:cBhvr>
+                                        <p:cTn id="6" dur="1" fill="hold">
+                                          <p:stCondLst>
+                                            <p:cond delay="0"/>
+                                          </p:stCondLst>
+                                        </p:cTn>
+                                        <p:tgtEl>
+                                          <p:spTgt spid="2"/>
+                                        </p:tgtEl>
+                                        <p:attrNameLst>
+                                          <p:attrName>style.visibility</p:attrName>
+                                        </p:attrNameLst>
+                                      </p:cBhvr>
+                                      <p:to>
+                                        <p:strVal val="visible"/>
+                                      </p:to>
+                                    </p:set>
+                                    <p:animEffect transition="in" filter="box(in)">
+                                      <p:cBhvr>
+                                        <p:cTn id="7" dur="1000"/>
+                                        <p:tgtEl>
+                                          <p:spTgt spid="2"/>
+                                        </p:tgtEl>
+                                      </p:cBhvr>
+                                    </p:animEffect>
+                                  </p:childTnLst>
+                                </p:cTn>
+                              </p:par>
+                            </p:childTnLst>
+                          </p:cTn>
+                        </p:par>
+                      </p:childTnLst>
+                    </p:cTn>
+                  </p:par>
+                  <p:par>
+                    <p:cTn id="8" fill="hold">
+                      <p:stCondLst>
+                        <p:cond delay="indefinite"/>
+                      </p:stCondLst>
+                      <p:childTnLst>
+                        <p:par>
+                          <p:cTn id="9" fill="hold">
+                            <p:stCondLst>
+                              <p:cond delay="0"/>
+                            </p:stCondLst>
+                            <p:childTnLst>
+                              <p:par>
+                                <p:cTn id="10" presetID="2" presetClass="entr" presetSubtype="4" fill="hold" grpId="0" nodeType="clickEffect">
+                                  <p:stCondLst>
+                                    <p:cond delay="0"/>
+                                  </p:stCondLst>
+                                  <p:childTnLst>
+                                    <p:set>
+                                      <p:cBhvr>
+                                        <p:cTn id="11" dur="1" fill="hold">
+                                          <p:stCondLst>
+                                            <p:cond delay="0"/>
+                                          </p:stCondLst>
+                                        </p:cTn>
+                                        <p:tgtEl>
+                                          <p:spTgt spid="3">
+                                            <p:txEl>
+                                              <p:pRg st="0" end="0"/>
+                                            </p:txEl>
+                                          </p:spTgt>
+                                        </p:tgtEl>
+                                        <p:attrNameLst>
+                                          <p:attrName>style.visibility</p:attrName>
+                                        </p:attrNameLst>
+                                      </p:cBhvr>
+                                      <p:to>
+                                        <p:strVal val="visible"/>
+                                      </p:to>
+                                    </p:set>
+                                    <p:anim calcmode="lin" valueType="num">
+                                      <p:cBhvr additive="base">
+                                        <p:cTn id="12" dur="500" fill="hold"/>
+                                        <p:tgtEl>
+                                          <p:spTgt spid="3">
+                                            <p:txEl>
+                                              <p:pRg st="0" end="0"/>
+                                            </p:txEl>
+                                          </p:spTgt>
+                                        </p:tgtEl>
+                                        <p:attrNameLst>
+                                          <p:attrName>ppt_x</p:attrName>
+                                        </p:attrNameLst>
+                                      </p:cBhvr>
+                                      <p:tavLst>
+                                        <p:tav tm="0">
+                                          <p:val>
+                                            <p:strVal val="#ppt_x"/>
+                                          </p:val>
+                                        </p:tav>
+                                        <p:tav tm="100000">
+                                          <p:val>
+                                            <p:strVal val="#ppt_x"/>
+                                          </p:val>
+                                        </p:tav>
+                                      </p:tavLst>
+                                    </p:anim>
+                                    <p:anim calcmode="lin" valueType="num">
+                                      <p:cBhvr additive="base">
+                                        <p:cTn id="13" dur="500" fill="hold"/>
+                                        <p:tgtEl>
+                                          <p:spTgt spid="3">
+                                            <p:txEl>
+                                              <p:pRg st="0" end="0"/>
+                                            </p:txEl>
+                                          </p:spTgt>
+                                        </p:tgtEl>
+                                        <p:attrNameLst>
+                                          <p:attrName>ppt_y</p:attrName>
+                                        </p:attrNameLst>
+                                      </p:cBhvr>
+                                      <p:tavLst>
+                                        <p:tav tm="0">
+                                          <p:val>
+                                            <p:strVal val="1+#ppt_h/2"/>
+                                          </p:val>
+                                        </p:tav>
+                                        <p:tav tm="100000">
+                                          <p:val>
+                                            <p:strVal val="#ppt_y"/>
+                                          </p:val>
+                                        </p:tav>
+                                      </p:tavLst>
+                                    </p:anim>
+                                  </p:childTnLst>
+                                </p:cTn>
+                              </p:par>
+                            </p:childTnLst>
+                          </p:cTn>
+                        </p:par>
+                      </p:childTnLst>
+                    </p:cTn>
+                  </p:par>
+                  <p:par>
+                    <p:cTn id="14" fill="hold">
+                      <p:stCondLst>
+                        <p:cond delay="indefinite"/>
+                      </p:stCondLst>
+                      <p:childTnLst>
+                        <p:par>
+                          <p:cTn id="15" fill="hold">
+                            <p:stCondLst>
+                              <p:cond delay="0"/>
+                            </p:stCondLst>
+                            <p:childTnLst>
+                              <p:par>
+                                <p:cTn id="16" presetID="2" presetClass="entr" presetSubtype="4" fill="hold" grpId="0" nodeType="clickEffect">
+                                  <p:stCondLst>
+                                    <p:cond delay="0"/>
+                                  </p:stCondLst>
+                                  <p:childTnLst>
+                                    <p:set>
+                                      <p:cBhvr>
+                                        <p:cTn id="17" dur="1" fill="hold">
+                                          <p:stCondLst>
+                                            <p:cond delay="0"/>
+                                          </p:stCondLst>
+                                        </p:cTn>
+                                        <p:tgtEl>
+                                          <p:spTgt spid="3">
+                                            <p:txEl>
+                                              <p:pRg st="1" end="1"/>
+                                            </p:txEl>
+                                          </p:spTgt>
+                                        </p:tgtEl>
+                                        <p:attrNameLst>
+                                          <p:attrName>style.visibility</p:attrName>
+                                        </p:attrNameLst>
+                                      </p:cBhvr>
+                                      <p:to>
+                                        <p:strVal val="visible"/>
+                                      </p:to>
+                                    </p:set>
+                                    <p:anim calcmode="lin" valueType="num">
+                                      <p:cBhvr additive="base">
+                                        <p:cTn id="18" dur="500" fill="hold"/>
+                                        <p:tgtEl>
+                                          <p:spTgt spid="3">
+                                            <p:txEl>
+                                              <p:pRg st="1" end="1"/>
+                                            </p:txEl>
+                                          </p:spTgt>
+                                        </p:tgtEl>
+                                        <p:attrNameLst>
+                                          <p:attrName>ppt_x</p:attrName>
+                                        </p:attrNameLst>
+                                      </p:cBhvr>
+                                      <p:tavLst>
+                                        <p:tav tm="0">
+                                          <p:val>
+                                            <p:strVal val="#ppt_x"/>
+                                          </p:val>
+                                        </p:tav>
+                                        <p:tav tm="100000">
+                                          <p:val>
+                                            <p:strVal val="#ppt_x"/>
+                                          </p:val>
+                                        </p:tav>
+                                      </p:tavLst>
+                                    </p:anim>
+                                    <p:anim calcmode="lin" valueType="num">
+                                      <p:cBhvr additive="base">
+                                        <p:cTn id="19" dur="500" fill="hold"/>
+                                        <p:tgtEl>
+                                          <p:spTgt spid="3">
+                                            <p:txEl>
+                                              <p:pRg st="1" end="1"/>
+                                            </p:txEl>
+                                          </p:spTgt>
+                                        </p:tgtEl>
+                                        <p:attrNameLst>
+                                          <p:attrName>ppt_y</p:attrName>
+                                        </p:attrNameLst>
+                                      </p:cBhvr>
+                                      <p:tavLst>
+                                        <p:tav tm="0">
+                                          <p:val>
+                                            <p:strVal val="1+#ppt_h/2"/>
+                                          </p:val>
+                                        </p:tav>
+                                        <p:tav tm="100000">
+                                          <p:val>
+                                            <p:strVal val="#ppt_y"/>
+                                          </p:val>
+                                        </p:tav>
+                                      </p:tavLst>
+                                    </p:anim>
+                                  </p:childTnLst>
+                                </p:cTn>
+                              </p:par>
+                            </p:childTnLst>
+                          </p:cTn>
+                        </p:par>
+                      </p:childTnLst>
+                    </p:cTn>
+                  </p:par>
+                  <p:par>
+                    <p:cTn id="20" fill="hold">
+                      <p:stCondLst>
+                        <p:cond delay="indefinite"/>
+                      </p:stCondLst>
+                      <p:childTnLst>
+                        <p:par>
+                          <p:cTn id="21" fill="hold">
+                            <p:stCondLst>
+                              <p:cond delay="0"/>
+                            </p:stCondLst>
+                            <p:childTnLst>
+                              <p:par>
+                                <p:cTn id="22" presetID="2" presetClass="entr" presetSubtype="4" fill="hold" grpId="0" nodeType="clickEffect">
+                                  <p:stCondLst>
+                                    <p:cond delay="0"/>
+                                  </p:stCondLst>
+                                  <p:childTnLst>
+                                    <p:set>
+                                      <p:cBhvr>
+                                        <p:cTn id="23" dur="1" fill="hold">
+                                          <p:stCondLst>
+                                            <p:cond delay="0"/>
+                                          </p:stCondLst>
+                                        </p:cTn>
+                                        <p:tgtEl>
+                                          <p:spTgt spid="3">
+                                            <p:txEl>
+                                              <p:pRg st="2" end="2"/>
+                                            </p:txEl>
+                                          </p:spTgt>
+                                        </p:tgtEl>
+                                        <p:attrNameLst>
+                                          <p:attrName>style.visibility</p:attrName>
+                                        </p:attrNameLst>
+                                      </p:cBhvr>
+                                      <p:to>
+                                        <p:strVal val="visible"/>
+                                      </p:to>
+                                    </p:set>
+                                    <p:anim calcmode="lin" valueType="num">
+                                      <p:cBhvr additive="base">
+                                        <p:cTn id="24" dur="500" fill="hold"/>
+                                        <p:tgtEl>
+                                          <p:spTgt spid="3">
+                                            <p:txEl>
+                                              <p:pRg st="2" end="2"/>
+                                            </p:txEl>
+                                          </p:spTgt>
+                                        </p:tgtEl>
+                                        <p:attrNameLst>
+                                          <p:attrName>ppt_x</p:attrName>
+                                        </p:attrNameLst>
+                                      </p:cBhvr>
+                                      <p:tavLst>
+                                        <p:tav tm="0">
+                                          <p:val>
+                                            <p:strVal val="#ppt_x"/>
+                                          </p:val>
+                                        </p:tav>
+                                        <p:tav tm="100000">
+                                          <p:val>
+                                            <p:strVal val="#ppt_x"/>
+                                          </p:val>
+                                        </p:tav>
+                                      </p:tavLst>
+                                    </p:anim>
+                                    <p:anim calcmode="lin" valueType="num">
+                                      <p:cBhvr additive="base">
+                                        <p:cTn id="25" dur="500" fill="hold"/>
+                                        <p:tgtEl>
+                                          <p:spTgt spid="3">
+                                            <p:txEl>
+                                              <p:pRg st="2" end="2"/>
+                                            </p:txEl>
+                                          </p:spTgt>
+                                        </p:tgtEl>
+                                        <p:attrNameLst>
+                                          <p:attrName>ppt_y</p:attrName>
+                                        </p:attrNameLst>
+                                      </p:cBhvr>
+                                      <p:tavLst>
+                                        <p:tav tm="0">
+                                          <p:val>
+                                            <p:strVal val="1+#ppt_h/2"/>
+                                          </p:val>
+                                        </p:tav>
+                                        <p:tav tm="100000">
+                                          <p:val>
+                                            <p:strVal val="#ppt_y"/>
+                                          </p:val>
+                                        </p:tav>
+                                      </p:tavLst>
+                                    </p:anim>
+                                  </p:childTnLst>
+                                </p:cTn>
+                              </p:par>
+                            </p:childTnLst>
+                          </p:cTn>
+                        </p:par>
+                      </p:childTnLst>
+                    </p:cTn>
+                  </p:par>
+                  <p:par>
+                    <p:cTn id="26" fill="hold">
+                      <p:stCondLst>
+                        <p:cond delay="indefinite"/>
+                      </p:stCondLst>
+                      <p:childTnLst>
+                        <p:par>
+                          <p:cTn id="27" fill="hold">
+                            <p:stCondLst>
+                              <p:cond delay="0"/>
+                            </p:stCondLst>
+                            <p:childTnLst>
+                              <p:par>
+                                <p:cTn id="28" presetID="2" presetClass="entr" presetSubtype="4" fill="hold" grpId="0" nodeType="clickEffect">
+                                  <p:stCondLst>
+                                    <p:cond delay="0"/>
+                                  </p:stCondLst>
+                                  <p:childTnLst>
+                                    <p:set>
+                                      <p:cBhvr>
+                                        <p:cTn id="29" dur="1" fill="hold">
+                                          <p:stCondLst>
+                                            <p:cond delay="0"/>
+                                          </p:stCondLst>
+                                        </p:cTn>
+                                        <p:tgtEl>
+                                          <p:spTgt spid="3">
+                                            <p:txEl>
+                                              <p:pRg st="3" end="3"/>
+                                            </p:txEl>
+                                          </p:spTgt>
+                                        </p:tgtEl>
+                                        <p:attrNameLst>
+                                          <p:attrName>style.visibility</p:attrName>
+                                        </p:attrNameLst>
+                                      </p:cBhvr>
+                                      <p:to>
+                                        <p:strVal val="visible"/>
+                                      </p:to>
+                                    </p:set>
+                                    <p:anim calcmode="lin" valueType="num">
+                                      <p:cBhvr additive="base">
+                                        <p:cTn id="30" dur="500" fill="hold"/>
+                                        <p:tgtEl>
+                                          <p:spTgt spid="3">
+                                            <p:txEl>
+                                              <p:pRg st="3" end="3"/>
+                                            </p:txEl>
+                                          </p:spTgt>
+                                        </p:tgtEl>
+                                        <p:attrNameLst>
+                                          <p:attrName>ppt_x</p:attrName>
+                                        </p:attrNameLst>
+                                      </p:cBhvr>
+                                      <p:tavLst>
+                                        <p:tav tm="0">
+                                          <p:val>
+                                            <p:strVal val="#ppt_x"/>
+                                          </p:val>
+                                        </p:tav>
+                                        <p:tav tm="100000">
+                                          <p:val>
+                                            <p:strVal val="#ppt_x"/>
+                                          </p:val>
+                                        </p:tav>
+                                      </p:tavLst>
+                                    </p:anim>
+                                    <p:anim calcmode="lin" valueType="num">
+                                      <p:cBhvr additive="base">
+                                        <p:cTn id="31" dur="500" fill="hold"/>
+                                        <p:tgtEl>
+                                          <p:spTgt spid="3">
+                                            <p:txEl>
+                                              <p:pRg st="3" end="3"/>
+                                            </p:txEl>
+                                          </p:spTgt>
+                                        </p:tgtEl>
+                                        <p:attrNameLst>
+                                          <p:attrName>ppt_y</p:attrName>
+                                        </p:attrNameLst>
+                                      </p:cBhvr>
+                                      <p:tavLst>
+                                        <p:tav tm="0">
+                                          <p:val>
+                                            <p:strVal val="1+#ppt_h/2"/>
+                                          </p:val>
+                                        </p:tav>
+                                        <p:tav tm="100000">
+                                          <p:val>
+                                            <p:strVal val="#ppt_y"/>
+                                          </p:val>
+                                        </p:tav>
+                                      </p:tavLst>
+                                    </p:anim>
+                                  </p:childTnLst>
+                                </p:cTn>
+                              </p:par>
+                            </p:childTnLst>
+                          </p:cTn>
+                        </p:par>
+                      </p:childTnLst>
+                    </p:cTn>
+                  </p:par>
+                  <p:par>
+                    <p:cTn id="32" fill="hold">
+                      <p:stCondLst>
+                        <p:cond delay="indefinite"/>
+                      </p:stCondLst>
+                      <p:childTnLst>
+                        <p:par>
+                          <p:cTn id="33" fill="hold">
+                            <p:stCondLst>
+                              <p:cond delay="0"/>
+                            </p:stCondLst>
+                            <p:childTnLst>
+                              <p:par>
+                                <p:cTn id="34" presetID="2" presetClass="entr" presetSubtype="4" fill="hold" grpId="0" nodeType="clickEffect">
+                                  <p:stCondLst>
+                                    <p:cond delay="0"/>
+                                  </p:stCondLst>
+                                  <p:childTnLst>
+                                    <p:set>
+                                      <p:cBhvr>
+                                        <p:cTn id="35" dur="1" fill="hold">
+                                          <p:stCondLst>
+                                            <p:cond delay="0"/>
+                                          </p:stCondLst>
+                                        </p:cTn>
+                                        <p:tgtEl>
+                                          <p:spTgt spid="3">
+                                            <p:txEl>
+                                              <p:pRg st="4" end="4"/>
+                                            </p:txEl>
+                                          </p:spTgt>
+                                        </p:tgtEl>
+                                        <p:attrNameLst>
+                                          <p:attrName>style.visibility</p:attrName>
+                                        </p:attrNameLst>
+                                      </p:cBhvr>
+                                      <p:to>
+                                        <p:strVal val="visible"/>
+                                      </p:to>
+                                    </p:set>
+                                    <p:anim calcmode="lin" valueType="num">
+                                      <p:cBhvr additive="base">
+                                        <p:cTn id="36" dur="500" fill="hold"/>
+                                        <p:tgtEl>
+                                          <p:spTgt spid="3">
+                                            <p:txEl>
+                                              <p:pRg st="4" end="4"/>
+                                            </p:txEl>
+                                          </p:spTgt>
+                                        </p:tgtEl>
+                                        <p:attrNameLst>
+                                          <p:attrName>ppt_x</p:attrName>
+                                        </p:attrNameLst>
+                                      </p:cBhvr>
+                                      <p:tavLst>
+                                        <p:tav tm="0">
+                                          <p:val>
+                                            <p:strVal val="#ppt_x"/>
+                                          </p:val>
+                                        </p:tav>
+                                        <p:tav tm="100000">
+                                          <p:val>
+                                            <p:strVal val="#ppt_x"/>
+                                          </p:val>
+                                        </p:tav>
+                                      </p:tavLst>
+                                    </p:anim>
+                                    <p:anim calcmode="lin" valueType="num">
+                                      <p:cBhvr additive="base">
+                                        <p:cTn id="37" dur="500" fill="hold"/>
+                                        <p:tgtEl>
+                                          <p:spTgt spid="3">
+                                            <p:txEl>
+                                              <p:pRg st="4" end="4"/>
+                                            </p:txEl>
+                                          </p:spTgt>
+                                        </p:tgtEl>
+                                        <p:attrNameLst>
+                                          <p:attrName>ppt_y</p:attrName>
+                                        </p:attrNameLst>
+                                      </p:cBhvr>
+                                      <p:tavLst>
+                                        <p:tav tm="0">
+                                          <p:val>
+                                            <p:strVal val="1+#ppt_h/2"/>
+                                          </p:val>
+                                        </p:tav>
+                                        <p:tav tm="100000">
+                                          <p:val>
+                                            <p:strVal val="#ppt_y"/>
+                                          </p:val>
+                                        </p:tav>
+                                      </p:tavLst>
+                                    </p:anim>
+                                  </p:childTnLst>
+                                </p:cTn>
+                              </p:par>
+                            </p:childTnLst>
+                          </p:cTn>
+                        </p:par>
+                      </p:childTnLst>
+                    </p:cTn>
+                  </p:par>
+                  <p:par>
+                    <p:cTn id="38" fill="hold">
+                      <p:stCondLst>
+                        <p:cond delay="indefinite"/>
+                      </p:stCondLst>
+                      <p:childTnLst>
+                        <p:par>
+                          <p:cTn id="39" fill="hold">
+                            <p:stCondLst>
+                              <p:cond delay="0"/>
+                            </p:stCondLst>
+                            <p:childTnLst>
+                              <p:par>
+                                <p:cTn id="40" presetID="2" presetClass="entr" presetSubtype="4" fill="hold" grpId="0" nodeType="clickEffect">
+                                  <p:stCondLst>
+                                    <p:cond delay="0"/>
+                                  </p:stCondLst>
+                                  <p:childTnLst>
+                                    <p:set>
+                                      <p:cBhvr>
+                                        <p:cTn id="41" dur="1" fill="hold">
+                                          <p:stCondLst>
+                                            <p:cond delay="0"/>
+                                          </p:stCondLst>
+                                        </p:cTn>
+                                        <p:tgtEl>
+                                          <p:spTgt spid="3">
+                                            <p:txEl>
+                                              <p:pRg st="5" end="5"/>
+                                            </p:txEl>
+                                          </p:spTgt>
+                                        </p:tgtEl>
+                                        <p:attrNameLst>
+                                          <p:attrName>style.visibility</p:attrName>
+                                        </p:attrNameLst>
+                                      </p:cBhvr>
+                                      <p:to>
+                                        <p:strVal val="visible"/>
+                                      </p:to>
+                                    </p:set>
+                                    <p:anim calcmode="lin" valueType="num">
+                                      <p:cBhvr additive="base">
+                                        <p:cTn id="42" dur="500" fill="hold"/>
+                                        <p:tgtEl>
+                                          <p:spTgt spid="3">
+                                            <p:txEl>
+                                              <p:pRg st="5" end="5"/>
+                                            </p:txEl>
+                                          </p:spTgt>
+                                        </p:tgtEl>
+                                        <p:attrNameLst>
+                                          <p:attrName>ppt_x</p:attrName>
+                                        </p:attrNameLst>
+                                      </p:cBhvr>
+                                      <p:tavLst>
+                                        <p:tav tm="0">
+                                          <p:val>
+                                            <p:strVal val="#ppt_x"/>
+                                          </p:val>
+                                        </p:tav>
+                                        <p:tav tm="100000">
+                                          <p:val>
+                                            <p:strVal val="#ppt_x"/>
+                                          </p:val>
+                                        </p:tav>
+                                      </p:tavLst>
+                                    </p:anim>
+                                    <p:anim calcmode="lin" valueType="num">
+                                      <p:cBhvr additive="base">
+                                        <p:cTn id="43" dur="500" fill="hold"/>
+                                        <p:tgtEl>
+                                          <p:spTgt spid="3">
+                                            <p:txEl>
+                                              <p:pRg st="5" end="5"/>
+                                            </p:txEl>
+                                          </p:spTgt>
+                                        </p:tgtEl>
+                                        <p:attrNameLst>
+                                          <p:attrName>ppt_y</p:attrName>
+                                        </p:attrNameLst>
+                                      </p:cBhvr>
+                                      <p:tavLst>
+                                        <p:tav tm="0">
+                                          <p:val>
+                                            <p:strVal val="1+#ppt_h/2"/>
+                                          </p:val>
+                                        </p:tav>
+                                        <p:tav tm="100000">
+                                          <p:val>
+                                            <p:strVal val="#ppt_y"/>
+                                          </p:val>
+                                        </p:tav>
+                                      </p:tavLst>
+                                    </p:anim>
+                                  </p:childTnLst>
+                                </p:cTn>
+                              </p:par>
+                            </p:childTnLst>
+                          </p:cTn>
+                        </p:par>
+                      </p:childTnLst>
+                    </p:cTn>
+                  </p:par>
+                </p:childTnLst>
+              </p:cTn>
+              <p:prevCondLst>
+                <p:cond evt="onPrev" delay="0">
+                  <p:tgtEl>
+                    <p:sldTgt/>
+                  </p:tgtEl>
+                </p:cond>
+              </p:prevCondLst>
+              <p:nextCondLst>
+                <p:cond evt="onNext" delay="0">
+                  <p:tgtEl>
+                    <p:sldTgt/>
+                  </p:tgtEl>
+                </p:cond>
+              </p:nextCondLst>
+            </p:seq>
+          </p:childTnLst>
+        </p:cTn>
+      </p:par>
+    </p:tnLst>
+    <p:bldLst>
+      <p:bldP spid="2" grpId="0"/>
+      <p:bldP spid="3" grpId="0" uiExpand="1" build="p"/>
+    </p:bldLst>
+  </p:timing>
+</p:sld>
+</file>
+
+<file path=ppt/slides/slide5.xml><?xml version="1.0" encoding="utf-8"?>
+<p:sld xmlns:a="http://schemas.openxmlformats.org/drawingml/2006/main" xmlns:r="http://schemas.openxmlformats.org/officeDocument/2006/relationships" xmlns:p="http://schemas.openxmlformats.org/presentationml/2006/main">
+  <p:cSld>
+    <p:spTree>
+      <p:nvGrpSpPr>
+        <p:cNvPr id="1" name=""/>
+        <p:cNvGrpSpPr/>
+        <p:nvPr/>
+      </p:nvGrpSpPr>
+      <p:grpSpPr/>
+      <p:sp>
+        <p:nvSpPr>
+          <p:cNvPr id="2" name="标题 1"/>
+          <p:cNvSpPr>
+            <a:spLocks noGrp="1"/>
+          </p:cNvSpPr>
+          <p:nvPr>
+            <p:ph type="title"/>
+          </p:nvPr>
+        </p:nvSpPr>
+        <p:spPr/>
+        <p:txBody>
+          <a:bodyPr/>
+          <a:p>
+            <a:r>
+              <a:rPr lang="en-US" altLang="zh-CN"/>
+              <a:t>Demo </a:t>
+            </a:r>
+            <a:r>
+              <a:rPr lang="zh-CN" altLang="en-US"/>
+              <a:t>高仿flappy bird</a:t>
+            </a:r>
+            <a:endParaRPr lang="zh-CN" altLang="en-US"/>
+          </a:p>
+        </p:txBody>
+      </p:sp>
+      <p:pic>
+        <p:nvPicPr>
+          <p:cNvPr id="4" name="内容占位符 3"/>
+          <p:cNvPicPr>
+            <a:picLocks noChangeAspect="1"/>
+          </p:cNvPicPr>
+          <p:nvPr>
+            <p:ph idx="1"/>
+          </p:nvPr>
+        </p:nvPicPr>
+        <p:blipFill>
+          <a:blip r:embed="rId1"/>
+          <a:stretch>
+            <a:fillRect/>
+          </a:stretch>
+        </p:blipFill>
+        <p:spPr>
+          <a:xfrm>
+            <a:off x="2229485" y="1691005"/>
+            <a:ext cx="6862445" cy="4694555"/>
+          </a:xfrm>
+          <a:prstGeom prst="rect">
+            <a:avLst/>
+          </a:prstGeom>
+        </p:spPr>
+      </p:pic>
+    </p:spTree>
+  </p:cSld>
+  <p:clrMapOvr>
+    <a:masterClrMapping/>
+  </p:clrMapOvr>
+  <p:timing>
+    <p:tnLst>
+      <p:par>
+        <p:cTn id="1" dur="indefinite" restart="never" nodeType="tmRoot">
+          <p:childTnLst>
+            <p:seq concurrent="1" nextAc="seek">
+              <p:cTn id="2" dur="indefinite" nodeType="mainSeq">
+                <p:childTnLst>
+                  <p:par>
+                    <p:cTn id="3" fill="hold">
+                      <p:stCondLst>
+                        <p:cond delay="indefinite"/>
+                      </p:stCondLst>
+                      <p:childTnLst>
+                        <p:par>
+                          <p:cTn id="4" fill="hold">
+                            <p:stCondLst>
+                              <p:cond delay="0"/>
+                            </p:stCondLst>
+                            <p:childTnLst>
+                              <p:par>
+                                <p:cTn id="5" presetID="4" presetClass="entr" presetSubtype="16" fill="hold" grpId="0" nodeType="clickEffect">
+                                  <p:stCondLst>
+                                    <p:cond delay="0"/>
+                                  </p:stCondLst>
+                                  <p:childTnLst>
+                                    <p:set>
+                                      <p:cBhvr>
+                                        <p:cTn id="6" dur="1" fill="hold">
+                                          <p:stCondLst>
+                                            <p:cond delay="0"/>
+                                          </p:stCondLst>
+                                        </p:cTn>
+                                        <p:tgtEl>
+                                          <p:spTgt spid="2"/>
+                                        </p:tgtEl>
+                                        <p:attrNameLst>
+                                          <p:attrName>style.visibility</p:attrName>
+                                        </p:attrNameLst>
+                                      </p:cBhvr>
+                                      <p:to>
+                                        <p:strVal val="visible"/>
+                                      </p:to>
+                                    </p:set>
+                                    <p:animEffect transition="in" filter="box(in)">
+                                      <p:cBhvr>
+                                        <p:cTn id="7" dur="1000"/>
+                                        <p:tgtEl>
+                                          <p:spTgt spid="2"/>
+                                        </p:tgtEl>
+                                      </p:cBhvr>
+                                    </p:animEffect>
+                                  </p:childTnLst>
+                                </p:cTn>
+                              </p:par>
+                            </p:childTnLst>
+                          </p:cTn>
+                        </p:par>
+                      </p:childTnLst>
+                    </p:cTn>
+                  </p:par>
+                  <p:par>
+                    <p:cTn id="8" fill="hold">
+                      <p:stCondLst>
+                        <p:cond delay="indefinite"/>
+                      </p:stCondLst>
+                      <p:childTnLst>
+                        <p:par>
+                          <p:cTn id="9" fill="hold">
+                            <p:stCondLst>
+                              <p:cond delay="0"/>
+                            </p:stCondLst>
+                            <p:childTnLst>
+                              <p:par>
+                                <p:cTn id="10" presetID="8" presetClass="entr" presetSubtype="16" fill="hold" nodeType="clickEffect">
+                                  <p:stCondLst>
+                                    <p:cond delay="0"/>
+                                  </p:stCondLst>
+                                  <p:childTnLst>
+                                    <p:set>
+                                      <p:cBhvr>
+                                        <p:cTn id="11" dur="1" fill="hold">
+                                          <p:stCondLst>
+                                            <p:cond delay="0"/>
+                                          </p:stCondLst>
+                                        </p:cTn>
+                                        <p:tgtEl>
+                                          <p:spTgt spid="4"/>
+                                        </p:tgtEl>
+                                        <p:attrNameLst>
+                                          <p:attrName>style.visibility</p:attrName>
+                                        </p:attrNameLst>
+                                      </p:cBhvr>
+                                      <p:to>
+                                        <p:strVal val="visible"/>
+                                      </p:to>
+                                    </p:set>
+                                    <p:animEffect transition="in" filter="diamond(in)">
+                                      <p:cBhvr>
+                                        <p:cTn id="12" dur="1000"/>
+                                        <p:tgtEl>
+                                          <p:spTgt spid="4"/>
+                                        </p:tgtEl>
+                                      </p:cBhvr>
+                                    </p:animEffect>
+                                  </p:childTnLst>
+                                </p:cTn>
+                              </p:par>
+                            </p:childTnLst>
+                          </p:cTn>
+                        </p:par>
+                      </p:childTnLst>
+                    </p:cTn>
+                  </p:par>
+                </p:childTnLst>
+              </p:cTn>
+              <p:prevCondLst>
+                <p:cond evt="onPrev" delay="0">
+                  <p:tgtEl>
+                    <p:sldTgt/>
+                  </p:tgtEl>
+                </p:cond>
+              </p:prevCondLst>
+              <p:nextCondLst>
+                <p:cond evt="onNext" delay="0">
+                  <p:tgtEl>
+                    <p:sldTgt/>
+                  </p:tgtEl>
+                </p:cond>
+              </p:nextCondLst>
+            </p:seq>
+          </p:childTnLst>
+        </p:cTn>
+      </p:par>
+    </p:tnLst>
+    <p:bldLst>
+      <p:bldP spid="2" grpId="0"/>
+    </p:bldLst>
+  </p:timing>
+</p:sld>
+</file>
+
+<file path=ppt/slides/slide6.xml><?xml version="1.0" encoding="utf-8"?>
+<p:sld xmlns:a="http://schemas.openxmlformats.org/drawingml/2006/main" xmlns:r="http://schemas.openxmlformats.org/officeDocument/2006/relationships" xmlns:p="http://schemas.openxmlformats.org/presentationml/2006/main">
+  <p:cSld>
+    <p:spTree>
+      <p:nvGrpSpPr>
+        <p:cNvPr id="1" name=""/>
+        <p:cNvGrpSpPr/>
+        <p:nvPr/>
+      </p:nvGrpSpPr>
+      <p:grpSpPr/>
+      <p:sp>
+        <p:nvSpPr>
+          <p:cNvPr id="2" name="标题 1"/>
+          <p:cNvSpPr>
+            <a:spLocks noGrp="1"/>
+          </p:cNvSpPr>
+          <p:nvPr>
+            <p:ph type="title"/>
+          </p:nvPr>
+        </p:nvSpPr>
+        <p:spPr/>
+        <p:txBody>
+          <a:bodyPr/>
+          <a:p>
+            <a:r>
+              <a:rPr lang="zh-CN" altLang="en-US"/>
+              <a:t>构思</a:t>
+            </a:r>
+            <a:endParaRPr lang="zh-CN" altLang="en-US"/>
+          </a:p>
+        </p:txBody>
+      </p:sp>
+      <p:sp>
+        <p:nvSpPr>
+          <p:cNvPr id="3" name="内容占位符 2"/>
+          <p:cNvSpPr>
+            <a:spLocks noGrp="1"/>
+          </p:cNvSpPr>
+          <p:nvPr>
+            <p:ph idx="1"/>
+          </p:nvPr>
+        </p:nvSpPr>
+        <p:spPr/>
+        <p:txBody>
+          <a:bodyPr/>
+          <a:p>
+            <a:r>
+              <a:rPr lang="zh-CN" altLang="en-US"/>
+              <a:t>创建物体  动画使用 （单个  多个  有序  永久  反向等）</a:t>
+            </a:r>
+            <a:endParaRPr lang="zh-CN" altLang="en-US"/>
+          </a:p>
+          <a:p>
+            <a:r>
+              <a:rPr lang="zh-CN" altLang="en-US"/>
+              <a:t>背景 障碍物的 循环移动</a:t>
+            </a:r>
+            <a:endParaRPr lang="zh-CN" altLang="en-US"/>
+          </a:p>
+          <a:p>
+            <a:r>
+              <a:rPr lang="zh-CN" altLang="en-US"/>
+              <a:t>创建物理世界  重力加速度  给物体某一个方向的速度然后自由落体  自由落体添加旋转角度达到更优的体验</a:t>
+            </a:r>
+            <a:endParaRPr lang="zh-CN" altLang="en-US"/>
+          </a:p>
+          <a:p>
+            <a:r>
+              <a:rPr lang="zh-CN" altLang="en-US"/>
+              <a:t>检测碰撞  精确的碰撞检测需要给每一个带有物理属性的物体设置描边路径  简单点就是矩形 圆形等等</a:t>
+            </a:r>
+            <a:endParaRPr lang="zh-CN" altLang="en-US"/>
+          </a:p>
+          <a:p>
+            <a:r>
+              <a:rPr lang="zh-CN" altLang="en-US"/>
+              <a:t>音效播放  注意cpu  需要缓冲 不能每次都读取音效文件</a:t>
+            </a:r>
+            <a:endParaRPr lang="zh-CN" altLang="en-US"/>
+          </a:p>
+        </p:txBody>
+      </p:sp>
+    </p:spTree>
+  </p:cSld>
+  <p:clrMapOvr>
+    <a:masterClrMapping/>
+  </p:clrMapOvr>
+  <p:timing>
+    <p:tnLst>
+      <p:par>
+        <p:cTn id="1" dur="indefinite" restart="never" nodeType="tmRoot">
+          <p:childTnLst>
+            <p:seq concurrent="1" nextAc="seek">
+              <p:cTn id="2" dur="indefinite" nodeType="mainSeq">
+                <p:childTnLst>
+                  <p:par>
+                    <p:cTn id="3" fill="hold">
+                      <p:stCondLst>
+                        <p:cond delay="indefinite"/>
+                      </p:stCondLst>
+                      <p:childTnLst>
+                        <p:par>
+                          <p:cTn id="4" fill="hold">
+                            <p:stCondLst>
+                              <p:cond delay="0"/>
+                            </p:stCondLst>
+                            <p:childTnLst>
+                              <p:par>
+                                <p:cTn id="5" presetID="4" presetClass="entr" presetSubtype="16" fill="hold" grpId="0" nodeType="clickEffect">
+                                  <p:stCondLst>
+                                    <p:cond delay="0"/>
+                                  </p:stCondLst>
+                                  <p:childTnLst>
+                                    <p:set>
+                                      <p:cBhvr>
+                                        <p:cTn id="6" dur="1" fill="hold">
+                                          <p:stCondLst>
+                                            <p:cond delay="0"/>
+                                          </p:stCondLst>
+                                        </p:cTn>
+                                        <p:tgtEl>
+                                          <p:spTgt spid="2"/>
+                                        </p:tgtEl>
+                                        <p:attrNameLst>
+                                          <p:attrName>style.visibility</p:attrName>
+                                        </p:attrNameLst>
+                                      </p:cBhvr>
+                                      <p:to>
+                                        <p:strVal val="visible"/>
+                                      </p:to>
+                                    </p:set>
+                                    <p:animEffect transition="in" filter="box(in)">
+                                      <p:cBhvr>
+                                        <p:cTn id="7" dur="1000"/>
+                                        <p:tgtEl>
+                                          <p:spTgt spid="2"/>
+                                        </p:tgtEl>
+                                      </p:cBhvr>
+                                    </p:animEffect>
+                                  </p:childTnLst>
+                                </p:cTn>
+                              </p:par>
+                            </p:childTnLst>
+                          </p:cTn>
+                        </p:par>
+                      </p:childTnLst>
+                    </p:cTn>
+                  </p:par>
+                  <p:par>
+                    <p:cTn id="8" fill="hold">
+                      <p:stCondLst>
+                        <p:cond delay="indefinite"/>
+                      </p:stCondLst>
+                      <p:childTnLst>
+                        <p:par>
+                          <p:cTn id="9" fill="hold">
+                            <p:stCondLst>
+                              <p:cond delay="0"/>
+                            </p:stCondLst>
+                            <p:childTnLst>
+                              <p:par>
+                                <p:cTn id="10" presetID="2" presetClass="entr" presetSubtype="4" fill="hold" grpId="0" nodeType="clickEffect">
+                                  <p:stCondLst>
+                                    <p:cond delay="0"/>
+                                  </p:stCondLst>
+                                  <p:childTnLst>
+                                    <p:set>
+                                      <p:cBhvr>
+                                        <p:cTn id="11" dur="1" fill="hold">
+                                          <p:stCondLst>
+                                            <p:cond delay="0"/>
+                                          </p:stCondLst>
+                                        </p:cTn>
+                                        <p:tgtEl>
+                                          <p:spTgt spid="3">
+                                            <p:txEl>
+                                              <p:pRg st="0" end="0"/>
+                                            </p:txEl>
+                                          </p:spTgt>
+                                        </p:tgtEl>
+                                        <p:attrNameLst>
+                                          <p:attrName>style.visibility</p:attrName>
+                                        </p:attrNameLst>
+                                      </p:cBhvr>
+                                      <p:to>
+                                        <p:strVal val="visible"/>
+                                      </p:to>
+                                    </p:set>
+                                    <p:anim calcmode="lin" valueType="num">
+                                      <p:cBhvr additive="base">
+                                        <p:cTn id="12" dur="500" fill="hold"/>
+                                        <p:tgtEl>
+                                          <p:spTgt spid="3">
+                                            <p:txEl>
+                                              <p:pRg st="0" end="0"/>
+                                            </p:txEl>
+                                          </p:spTgt>
+                                        </p:tgtEl>
+                                        <p:attrNameLst>
+                                          <p:attrName>ppt_x</p:attrName>
+                                        </p:attrNameLst>
+                                      </p:cBhvr>
+                                      <p:tavLst>
+                                        <p:tav tm="0">
+                                          <p:val>
+                                            <p:strVal val="#ppt_x"/>
+                                          </p:val>
+                                        </p:tav>
+                                        <p:tav tm="100000">
+                                          <p:val>
+                                            <p:strVal val="#ppt_x"/>
+                                          </p:val>
+                                        </p:tav>
+                                      </p:tavLst>
+                                    </p:anim>
+                                    <p:anim calcmode="lin" valueType="num">
+                                      <p:cBhvr additive="base">
+                                        <p:cTn id="13" dur="500" fill="hold"/>
+                                        <p:tgtEl>
+                                          <p:spTgt spid="3">
+                                            <p:txEl>
+                                              <p:pRg st="0" end="0"/>
+                                            </p:txEl>
+                                          </p:spTgt>
+                                        </p:tgtEl>
+                                        <p:attrNameLst>
+                                          <p:attrName>ppt_y</p:attrName>
+                                        </p:attrNameLst>
+                                      </p:cBhvr>
+                                      <p:tavLst>
+                                        <p:tav tm="0">
+                                          <p:val>
+                                            <p:strVal val="1+#ppt_h/2"/>
+                                          </p:val>
+                                        </p:tav>
+                                        <p:tav tm="100000">
+                                          <p:val>
+                                            <p:strVal val="#ppt_y"/>
+                                          </p:val>
+                                        </p:tav>
+                                      </p:tavLst>
+                                    </p:anim>
+                                  </p:childTnLst>
+                                </p:cTn>
+                              </p:par>
+                            </p:childTnLst>
+                          </p:cTn>
+                        </p:par>
+                      </p:childTnLst>
+                    </p:cTn>
+                  </p:par>
+                  <p:par>
+                    <p:cTn id="14" fill="hold">
+                      <p:stCondLst>
+                        <p:cond delay="indefinite"/>
+                      </p:stCondLst>
+                      <p:childTnLst>
+                        <p:par>
+                          <p:cTn id="15" fill="hold">
+                            <p:stCondLst>
+                              <p:cond delay="0"/>
+                            </p:stCondLst>
+                            <p:childTnLst>
+                              <p:par>
+                                <p:cTn id="16" presetID="2" presetClass="entr" presetSubtype="4" fill="hold" grpId="0" nodeType="clickEffect">
+                                  <p:stCondLst>
+                                    <p:cond delay="0"/>
+                                  </p:stCondLst>
+                                  <p:childTnLst>
+                                    <p:set>
+                                      <p:cBhvr>
+                                        <p:cTn id="17" dur="1" fill="hold">
+                                          <p:stCondLst>
+                                            <p:cond delay="0"/>
+                                          </p:stCondLst>
+                                        </p:cTn>
+                                        <p:tgtEl>
+                                          <p:spTgt spid="3">
+                                            <p:txEl>
+                                              <p:pRg st="1" end="1"/>
+                                            </p:txEl>
+                                          </p:spTgt>
+                                        </p:tgtEl>
+                                        <p:attrNameLst>
+                                          <p:attrName>style.visibility</p:attrName>
+                                        </p:attrNameLst>
+                                      </p:cBhvr>
+                                      <p:to>
+                                        <p:strVal val="visible"/>
+                                      </p:to>
+                                    </p:set>
+                                    <p:anim calcmode="lin" valueType="num">
+                                      <p:cBhvr additive="base">
+                                        <p:cTn id="18" dur="500" fill="hold"/>
+                                        <p:tgtEl>
+                                          <p:spTgt spid="3">
+                                            <p:txEl>
+                                              <p:pRg st="1" end="1"/>
+                                            </p:txEl>
+                                          </p:spTgt>
+                                        </p:tgtEl>
+                                        <p:attrNameLst>
+                                          <p:attrName>ppt_x</p:attrName>
+                                        </p:attrNameLst>
+                                      </p:cBhvr>
+                                      <p:tavLst>
+                                        <p:tav tm="0">
+                                          <p:val>
+                                            <p:strVal val="#ppt_x"/>
+                                          </p:val>
+                                        </p:tav>
+                                        <p:tav tm="100000">
+                                          <p:val>
+                                            <p:strVal val="#ppt_x"/>
+                                          </p:val>
+                                        </p:tav>
+                                      </p:tavLst>
+                                    </p:anim>
+                                    <p:anim calcmode="lin" valueType="num">
+                                      <p:cBhvr additive="base">
+                                        <p:cTn id="19" dur="500" fill="hold"/>
+                                        <p:tgtEl>
+                                          <p:spTgt spid="3">
+                                            <p:txEl>
+                                              <p:pRg st="1" end="1"/>
+                                            </p:txEl>
+                                          </p:spTgt>
+                                        </p:tgtEl>
+                                        <p:attrNameLst>
+                                          <p:attrName>ppt_y</p:attrName>
+                                        </p:attrNameLst>
+                                      </p:cBhvr>
+                                      <p:tavLst>
+                                        <p:tav tm="0">
+                                          <p:val>
+                                            <p:strVal val="1+#ppt_h/2"/>
+                                          </p:val>
+                                        </p:tav>
+                                        <p:tav tm="100000">
+                                          <p:val>
+                                            <p:strVal val="#ppt_y"/>
+                                          </p:val>
+                                        </p:tav>
+                                      </p:tavLst>
+                                    </p:anim>
+                                  </p:childTnLst>
+                                </p:cTn>
+                              </p:par>
+                            </p:childTnLst>
+                          </p:cTn>
+                        </p:par>
+                      </p:childTnLst>
+                    </p:cTn>
+                  </p:par>
+                  <p:par>
+                    <p:cTn id="20" fill="hold">
+                      <p:stCondLst>
+                        <p:cond delay="indefinite"/>
+                      </p:stCondLst>
+                      <p:childTnLst>
+                        <p:par>
+                          <p:cTn id="21" fill="hold">
+                            <p:stCondLst>
+                              <p:cond delay="0"/>
+                            </p:stCondLst>
+                            <p:childTnLst>
+                              <p:par>
+                                <p:cTn id="22" presetID="2" presetClass="entr" presetSubtype="4" fill="hold" grpId="0" nodeType="clickEffect">
+                                  <p:stCondLst>
+                                    <p:cond delay="0"/>
+                                  </p:stCondLst>
+                                  <p:childTnLst>
+                                    <p:set>
+                                      <p:cBhvr>
+                                        <p:cTn id="23" dur="1" fill="hold">
+                                          <p:stCondLst>
+                                            <p:cond delay="0"/>
+                                          </p:stCondLst>
+                                        </p:cTn>
+                                        <p:tgtEl>
+                                          <p:spTgt spid="3">
+                                            <p:txEl>
+                                              <p:pRg st="2" end="2"/>
+                                            </p:txEl>
+                                          </p:spTgt>
+                                        </p:tgtEl>
+                                        <p:attrNameLst>
+                                          <p:attrName>style.visibility</p:attrName>
+                                        </p:attrNameLst>
+                                      </p:cBhvr>
+                                      <p:to>
+                                        <p:strVal val="visible"/>
+                                      </p:to>
+                                    </p:set>
+                                    <p:anim calcmode="lin" valueType="num">
+                                      <p:cBhvr additive="base">
+                                        <p:cTn id="24" dur="500" fill="hold"/>
+                                        <p:tgtEl>
+                                          <p:spTgt spid="3">
+                                            <p:txEl>
+                                              <p:pRg st="2" end="2"/>
+                                            </p:txEl>
+                                          </p:spTgt>
+                                        </p:tgtEl>
+                                        <p:attrNameLst>
+                                          <p:attrName>ppt_x</p:attrName>
+                                        </p:attrNameLst>
+                                      </p:cBhvr>
+                                      <p:tavLst>
+                                        <p:tav tm="0">
+                                          <p:val>
+                                            <p:strVal val="#ppt_x"/>
+                                          </p:val>
+                                        </p:tav>
+                                        <p:tav tm="100000">
+                                          <p:val>
+                                            <p:strVal val="#ppt_x"/>
+                                          </p:val>
+                                        </p:tav>
+                                      </p:tavLst>
+                                    </p:anim>
+                                    <p:anim calcmode="lin" valueType="num">
+                                      <p:cBhvr additive="base">
+                                        <p:cTn id="25" dur="500" fill="hold"/>
+                                        <p:tgtEl>
+                                          <p:spTgt spid="3">
+                                            <p:txEl>
+                                              <p:pRg st="2" end="2"/>
+                                            </p:txEl>
+                                          </p:spTgt>
+                                        </p:tgtEl>
+                                        <p:attrNameLst>
+                                          <p:attrName>ppt_y</p:attrName>
+                                        </p:attrNameLst>
+                                      </p:cBhvr>
+                                      <p:tavLst>
+                                        <p:tav tm="0">
+                                          <p:val>
+                                            <p:strVal val="1+#ppt_h/2"/>
+                                          </p:val>
+                                        </p:tav>
+                                        <p:tav tm="100000">
+                                          <p:val>
+                                            <p:strVal val="#ppt_y"/>
+                                          </p:val>
+                                        </p:tav>
+                                      </p:tavLst>
+                                    </p:anim>
+                                  </p:childTnLst>
+                                </p:cTn>
+                              </p:par>
+                            </p:childTnLst>
+                          </p:cTn>
+                        </p:par>
+                      </p:childTnLst>
+                    </p:cTn>
+                  </p:par>
+                  <p:par>
+                    <p:cTn id="26" fill="hold">
+                      <p:stCondLst>
+                        <p:cond delay="indefinite"/>
+                      </p:stCondLst>
+                      <p:childTnLst>
+                        <p:par>
+                          <p:cTn id="27" fill="hold">
+                            <p:stCondLst>
+                              <p:cond delay="0"/>
+                            </p:stCondLst>
+                            <p:childTnLst>
+                              <p:par>
+                                <p:cTn id="28" presetID="2" presetClass="entr" presetSubtype="4" fill="hold" grpId="0" nodeType="clickEffect">
+                                  <p:stCondLst>
+                                    <p:cond delay="0"/>
+                                  </p:stCondLst>
+                                  <p:childTnLst>
+                                    <p:set>
+                                      <p:cBhvr>
+                                        <p:cTn id="29" dur="1" fill="hold">
+                                          <p:stCondLst>
+                                            <p:cond delay="0"/>
+                                          </p:stCondLst>
+                                        </p:cTn>
+                                        <p:tgtEl>
+                                          <p:spTgt spid="3">
+                                            <p:txEl>
+                                              <p:pRg st="3" end="3"/>
+                                            </p:txEl>
+                                          </p:spTgt>
+                                        </p:tgtEl>
+                                        <p:attrNameLst>
+                                          <p:attrName>style.visibility</p:attrName>
+                                        </p:attrNameLst>
+                                      </p:cBhvr>
+                                      <p:to>
+                                        <p:strVal val="visible"/>
+                                      </p:to>
+                                    </p:set>
+                                    <p:anim calcmode="lin" valueType="num">
+                                      <p:cBhvr additive="base">
+                                        <p:cTn id="30" dur="500" fill="hold"/>
+                                        <p:tgtEl>
+                                          <p:spTgt spid="3">
+                                            <p:txEl>
+                                              <p:pRg st="3" end="3"/>
+                                            </p:txEl>
+                                          </p:spTgt>
+                                        </p:tgtEl>
+                                        <p:attrNameLst>
+                                          <p:attrName>ppt_x</p:attrName>
+                                        </p:attrNameLst>
+                                      </p:cBhvr>
+                                      <p:tavLst>
+                                        <p:tav tm="0">
+                                          <p:val>
+                                            <p:strVal val="#ppt_x"/>
+                                          </p:val>
+                                        </p:tav>
+                                        <p:tav tm="100000">
+                                          <p:val>
+                                            <p:strVal val="#ppt_x"/>
+                                          </p:val>
+                                        </p:tav>
+                                      </p:tavLst>
+                                    </p:anim>
+                                    <p:anim calcmode="lin" valueType="num">
+                                      <p:cBhvr additive="base">
+                                        <p:cTn id="31" dur="500" fill="hold"/>
+                                        <p:tgtEl>
+                                          <p:spTgt spid="3">
+                                            <p:txEl>
+                                              <p:pRg st="3" end="3"/>
+                                            </p:txEl>
+                                          </p:spTgt>
+                                        </p:tgtEl>
+                                        <p:attrNameLst>
+                                          <p:attrName>ppt_y</p:attrName>
+                                        </p:attrNameLst>
+                                      </p:cBhvr>
+                                      <p:tavLst>
+                                        <p:tav tm="0">
+                                          <p:val>
+                                            <p:strVal val="1+#ppt_h/2"/>
+                                          </p:val>
+                                        </p:tav>
+                                        <p:tav tm="100000">
+                                          <p:val>
+                                            <p:strVal val="#ppt_y"/>
+                                          </p:val>
+                                        </p:tav>
+                                      </p:tavLst>
+                                    </p:anim>
+                                  </p:childTnLst>
+                                </p:cTn>
+                              </p:par>
+                            </p:childTnLst>
+                          </p:cTn>
+                        </p:par>
+                      </p:childTnLst>
+                    </p:cTn>
+                  </p:par>
+                  <p:par>
+                    <p:cTn id="32" fill="hold">
+                      <p:stCondLst>
+                        <p:cond delay="indefinite"/>
+                      </p:stCondLst>
+                      <p:childTnLst>
+                        <p:par>
+                          <p:cTn id="33" fill="hold">
+                            <p:stCondLst>
+                              <p:cond delay="0"/>
+                            </p:stCondLst>
+                            <p:childTnLst>
+                              <p:par>
+                                <p:cTn id="34" presetID="2" presetClass="entr" presetSubtype="4" fill="hold" grpId="0" nodeType="clickEffect">
+                                  <p:stCondLst>
+                                    <p:cond delay="0"/>
+                                  </p:stCondLst>
+                                  <p:childTnLst>
+                                    <p:set>
+                                      <p:cBhvr>
+                                        <p:cTn id="35" dur="1" fill="hold">
+                                          <p:stCondLst>
+                                            <p:cond delay="0"/>
+                                          </p:stCondLst>
+                                        </p:cTn>
+                                        <p:tgtEl>
+                                          <p:spTgt spid="3">
+                                            <p:txEl>
+                                              <p:pRg st="4" end="4"/>
+                                            </p:txEl>
+                                          </p:spTgt>
+                                        </p:tgtEl>
+                                        <p:attrNameLst>
+                                          <p:attrName>style.visibility</p:attrName>
+                                        </p:attrNameLst>
+                                      </p:cBhvr>
+                                      <p:to>
+                                        <p:strVal val="visible"/>
+                                      </p:to>
+                                    </p:set>
+                                    <p:anim calcmode="lin" valueType="num">
+                                      <p:cBhvr additive="base">
+                                        <p:cTn id="36" dur="500" fill="hold"/>
+                                        <p:tgtEl>
+                                          <p:spTgt spid="3">
+                                            <p:txEl>
+                                              <p:pRg st="4" end="4"/>
+                                            </p:txEl>
+                                          </p:spTgt>
+                                        </p:tgtEl>
+                                        <p:attrNameLst>
+                                          <p:attrName>ppt_x</p:attrName>
+                                        </p:attrNameLst>
+                                      </p:cBhvr>
+                                      <p:tavLst>
+                                        <p:tav tm="0">
+                                          <p:val>
+                                            <p:strVal val="#ppt_x"/>
+                                          </p:val>
+                                        </p:tav>
+                                        <p:tav tm="100000">
+                                          <p:val>
+                                            <p:strVal val="#ppt_x"/>
+                                          </p:val>
+                                        </p:tav>
+                                      </p:tavLst>
+                                    </p:anim>
+                                    <p:anim calcmode="lin" valueType="num">
+                                      <p:cBhvr additive="base">
+                                        <p:cTn id="37" dur="500" fill="hold"/>
+                                        <p:tgtEl>
+                                          <p:spTgt spid="3">
+                                            <p:txEl>
+                                              <p:pRg st="4" end="4"/>
+                                            </p:txEl>
+                                          </p:spTgt>
+                                        </p:tgtEl>
+                                        <p:attrNameLst>
+                                          <p:attrName>ppt_y</p:attrName>
+                                        </p:attrNameLst>
+                                      </p:cBhvr>
+                                      <p:tavLst>
+                                        <p:tav tm="0">
+                                          <p:val>
+                                            <p:strVal val="1+#ppt_h/2"/>
+                                          </p:val>
+                                        </p:tav>
+                                        <p:tav tm="100000">
+                                          <p:val>
+                                            <p:strVal val="#ppt_y"/>
+                                          </p:val>
+                                        </p:tav>
+                                      </p:tavLst>
+                                    </p:anim>
+                                  </p:childTnLst>
+                                </p:cTn>
+                              </p:par>
+                            </p:childTnLst>
+                          </p:cTn>
+                        </p:par>
+                      </p:childTnLst>
+                    </p:cTn>
+                  </p:par>
+                </p:childTnLst>
+              </p:cTn>
+              <p:prevCondLst>
+                <p:cond evt="onPrev" delay="0">
+                  <p:tgtEl>
+                    <p:sldTgt/>
+                  </p:tgtEl>
+                </p:cond>
+              </p:prevCondLst>
+              <p:nextCondLst>
+                <p:cond evt="onNext" delay="0">
+                  <p:tgtEl>
+                    <p:sldTgt/>
+                  </p:tgtEl>
+                </p:cond>
+              </p:nextCondLst>
+            </p:seq>
+          </p:childTnLst>
+        </p:cTn>
+      </p:par>
+    </p:tnLst>
+    <p:bldLst>
+      <p:bldP spid="2" grpId="0"/>
+      <p:bldP spid="3" grpId="0" build="p"/>
+    </p:bldLst>
+  </p:timing>
+</p:sld>
+</file>
+
+<file path=ppt/tags/tag1.xml><?xml version="1.0" encoding="utf-8"?>
+<p:tagLst xmlns:p="http://schemas.openxmlformats.org/presentationml/2006/main">
+  <p:tag name="KSO_WM_SLIDE_MODEL_TYPE" val="cover"/>
+</p:tagLst>
 </file>
 
 <file path=ppt/theme/theme1.xml><?xml version="1.0" encoding="utf-8"?>

--- a/MyGame/如何开发快速一个小游戏.pptx
+++ b/MyGame/如何开发快速一个小游戏.pptx
@@ -10,7 +10,8 @@
     <p:sldId id="258" r:id="rId5"/>
     <p:sldId id="259" r:id="rId6"/>
     <p:sldId id="260" r:id="rId7"/>
-    <p:sldId id="261" r:id="rId8"/>
+    <p:sldId id="262" r:id="rId8"/>
+    <p:sldId id="261" r:id="rId9"/>
   </p:sldIdLst>
   <p:sldSz cx="12192000" cy="6858000"/>
   <p:notesSz cx="7103745" cy="10234295"/>
@@ -4320,6 +4321,131 @@
 </file>
 
 <file path=ppt/slides/slide6.xml><?xml version="1.0" encoding="utf-8"?>
+<p:sld xmlns:a="http://schemas.openxmlformats.org/drawingml/2006/main" xmlns:r="http://schemas.openxmlformats.org/officeDocument/2006/relationships" xmlns:p="http://schemas.openxmlformats.org/presentationml/2006/main">
+  <p:cSld>
+    <p:spTree>
+      <p:nvGrpSpPr>
+        <p:cNvPr id="1" name=""/>
+        <p:cNvGrpSpPr/>
+        <p:nvPr/>
+      </p:nvGrpSpPr>
+      <p:grpSpPr/>
+      <p:pic>
+        <p:nvPicPr>
+          <p:cNvPr id="6" name="图片 5"/>
+          <p:cNvPicPr>
+            <a:picLocks noChangeAspect="1"/>
+          </p:cNvPicPr>
+          <p:nvPr/>
+        </p:nvPicPr>
+        <p:blipFill>
+          <a:blip r:embed="rId1"/>
+          <a:stretch>
+            <a:fillRect/>
+          </a:stretch>
+        </p:blipFill>
+        <p:spPr>
+          <a:xfrm>
+            <a:off x="3211195" y="713105"/>
+            <a:ext cx="5316855" cy="5432425"/>
+          </a:xfrm>
+          <a:prstGeom prst="rect">
+            <a:avLst/>
+          </a:prstGeom>
+        </p:spPr>
+      </p:pic>
+    </p:spTree>
+  </p:cSld>
+  <p:clrMapOvr>
+    <a:masterClrMapping/>
+  </p:clrMapOvr>
+  <p:timing>
+    <p:tnLst>
+      <p:par>
+        <p:cTn id="1" dur="indefinite" restart="never" nodeType="tmRoot">
+          <p:childTnLst>
+            <p:seq concurrent="1" nextAc="seek">
+              <p:cTn id="2" dur="indefinite" nodeType="mainSeq">
+                <p:childTnLst>
+                  <p:par>
+                    <p:cTn id="3" fill="hold">
+                      <p:stCondLst>
+                        <p:cond delay="indefinite"/>
+                      </p:stCondLst>
+                      <p:childTnLst>
+                        <p:par>
+                          <p:cTn id="4" fill="hold">
+                            <p:stCondLst>
+                              <p:cond delay="0"/>
+                            </p:stCondLst>
+                            <p:childTnLst>
+                              <p:par>
+                                <p:cTn id="5" presetID="8" presetClass="entr" presetSubtype="16" fill="hold" nodeType="clickEffect">
+                                  <p:stCondLst>
+                                    <p:cond delay="0"/>
+                                  </p:stCondLst>
+                                  <p:childTnLst>
+                                    <p:set>
+                                      <p:cBhvr>
+                                        <p:cTn id="6" dur="1" fill="hold">
+                                          <p:stCondLst>
+                                            <p:cond delay="0"/>
+                                          </p:stCondLst>
+                                        </p:cTn>
+                                        <p:tgtEl>
+                                          <p:spTgt spid="6"/>
+                                        </p:tgtEl>
+                                        <p:attrNameLst>
+                                          <p:attrName>style.visibility</p:attrName>
+                                        </p:attrNameLst>
+                                      </p:cBhvr>
+                                      <p:to>
+                                        <p:strVal val="visible"/>
+                                      </p:to>
+                                    </p:set>
+                                    <p:animEffect transition="in" filter="diamond(in)">
+                                      <p:cBhvr>
+                                        <p:cTn id="7" dur="1000"/>
+                                        <p:tgtEl>
+                                          <p:spTgt spid="6"/>
+                                        </p:tgtEl>
+                                      </p:cBhvr>
+                                    </p:animEffect>
+                                  </p:childTnLst>
+                                </p:cTn>
+                              </p:par>
+                            </p:childTnLst>
+                          </p:cTn>
+                        </p:par>
+                      </p:childTnLst>
+                    </p:cTn>
+                  </p:par>
+                </p:childTnLst>
+              </p:cTn>
+              <p:prevCondLst>
+                <p:cond evt="onPrev" delay="0">
+                  <p:tgtEl>
+                    <p:sldTgt/>
+                  </p:tgtEl>
+                </p:cond>
+              </p:prevCondLst>
+              <p:nextCondLst>
+                <p:cond evt="onNext" delay="0">
+                  <p:tgtEl>
+                    <p:sldTgt/>
+                  </p:tgtEl>
+                </p:cond>
+              </p:nextCondLst>
+            </p:seq>
+          </p:childTnLst>
+        </p:cTn>
+      </p:par>
+    </p:tnLst>
+  </p:timing>
+</p:sld>
+</file>
+
+<file path=ppt/slides/slide7.xml><?xml version="1.0" encoding="utf-8"?>
 <p:sld xmlns:a="http://schemas.openxmlformats.org/drawingml/2006/main" xmlns:r="http://schemas.openxmlformats.org/officeDocument/2006/relationships" xmlns:p="http://schemas.openxmlformats.org/presentationml/2006/main">
   <p:cSld>
     <p:spTree>
